--- a/Socket/PPT/내용 확인 방법.pptx
+++ b/Socket/PPT/내용 확인 방법.pptx
@@ -203,7 +203,7 @@
           <a:p>
             <a:fld id="{18DCCD61-643D-44A5-A450-3A42A50CBC1E}" type="datetimeFigureOut">
               <a:rPr lang="en-US" smtClean="0"/>
-              <a:t>1/13/2021</a:t>
+              <a:t>1/15/2021</a:t>
             </a:fld>
             <a:endParaRPr lang="en-US"/>
           </a:p>
@@ -478,7 +478,7 @@
           <a:p>
             <a:fld id="{18DCCD61-643D-44A5-A450-3A42A50CBC1E}" type="datetimeFigureOut">
               <a:rPr lang="en-US" smtClean="0"/>
-              <a:t>1/13/2021</a:t>
+              <a:t>1/15/2021</a:t>
             </a:fld>
             <a:endParaRPr lang="en-US"/>
           </a:p>
@@ -730,7 +730,7 @@
           <a:p>
             <a:fld id="{18DCCD61-643D-44A5-A450-3A42A50CBC1E}" type="datetimeFigureOut">
               <a:rPr lang="en-US" smtClean="0"/>
-              <a:t>1/13/2021</a:t>
+              <a:t>1/15/2021</a:t>
             </a:fld>
             <a:endParaRPr lang="en-US"/>
           </a:p>
@@ -898,7 +898,7 @@
           <a:p>
             <a:fld id="{18DCCD61-643D-44A5-A450-3A42A50CBC1E}" type="datetimeFigureOut">
               <a:rPr lang="en-US" smtClean="0"/>
-              <a:t>1/13/2021</a:t>
+              <a:t>1/15/2021</a:t>
             </a:fld>
             <a:endParaRPr lang="en-US"/>
           </a:p>
@@ -1076,7 +1076,7 @@
           <a:p>
             <a:fld id="{18DCCD61-643D-44A5-A450-3A42A50CBC1E}" type="datetimeFigureOut">
               <a:rPr lang="en-US" smtClean="0"/>
-              <a:t>1/13/2021</a:t>
+              <a:t>1/15/2021</a:t>
             </a:fld>
             <a:endParaRPr lang="en-US"/>
           </a:p>
@@ -1670,7 +1670,7 @@
           <a:p>
             <a:fld id="{18DCCD61-643D-44A5-A450-3A42A50CBC1E}" type="datetimeFigureOut">
               <a:rPr lang="en-US" smtClean="0"/>
-              <a:t>1/13/2021</a:t>
+              <a:t>1/15/2021</a:t>
             </a:fld>
             <a:endParaRPr lang="en-US"/>
           </a:p>
@@ -1838,7 +1838,7 @@
           <a:p>
             <a:fld id="{18DCCD61-643D-44A5-A450-3A42A50CBC1E}" type="datetimeFigureOut">
               <a:rPr lang="en-US" smtClean="0"/>
-              <a:t>1/13/2021</a:t>
+              <a:t>1/15/2021</a:t>
             </a:fld>
             <a:endParaRPr lang="en-US"/>
           </a:p>
@@ -2083,7 +2083,7 @@
           <a:p>
             <a:fld id="{18DCCD61-643D-44A5-A450-3A42A50CBC1E}" type="datetimeFigureOut">
               <a:rPr lang="en-US" smtClean="0"/>
-              <a:t>1/13/2021</a:t>
+              <a:t>1/15/2021</a:t>
             </a:fld>
             <a:endParaRPr lang="en-US"/>
           </a:p>
@@ -2368,7 +2368,7 @@
           <a:p>
             <a:fld id="{18DCCD61-643D-44A5-A450-3A42A50CBC1E}" type="datetimeFigureOut">
               <a:rPr lang="en-US" smtClean="0"/>
-              <a:t>1/13/2021</a:t>
+              <a:t>1/15/2021</a:t>
             </a:fld>
             <a:endParaRPr lang="en-US"/>
           </a:p>
@@ -2787,7 +2787,7 @@
           <a:p>
             <a:fld id="{18DCCD61-643D-44A5-A450-3A42A50CBC1E}" type="datetimeFigureOut">
               <a:rPr lang="en-US" smtClean="0"/>
-              <a:t>1/13/2021</a:t>
+              <a:t>1/15/2021</a:t>
             </a:fld>
             <a:endParaRPr lang="en-US"/>
           </a:p>
@@ -2904,7 +2904,7 @@
           <a:p>
             <a:fld id="{18DCCD61-643D-44A5-A450-3A42A50CBC1E}" type="datetimeFigureOut">
               <a:rPr lang="en-US" smtClean="0"/>
-              <a:t>1/13/2021</a:t>
+              <a:t>1/15/2021</a:t>
             </a:fld>
             <a:endParaRPr lang="en-US"/>
           </a:p>
@@ -3406,7 +3406,7 @@
           <a:p>
             <a:fld id="{18DCCD61-643D-44A5-A450-3A42A50CBC1E}" type="datetimeFigureOut">
               <a:rPr lang="en-US" smtClean="0"/>
-              <a:t>1/13/2021</a:t>
+              <a:t>1/15/2021</a:t>
             </a:fld>
             <a:endParaRPr lang="en-US"/>
           </a:p>
@@ -3896,7 +3896,7 @@
           <a:p>
             <a:pPr algn="r"/>
             <a:r>
-              <a:rPr lang="en-US" altLang="ko-KR" sz="3600" b="1" dirty="0">
+              <a:rPr lang="ko-KR" altLang="en-US" sz="3600" b="1" dirty="0">
                 <a:solidFill>
                   <a:schemeClr val="accent6">
                     <a:lumMod val="20000"/>
@@ -3907,8 +3907,19 @@
                 <a:ea typeface="맑은 고딕" pitchFamily="50" charset="-127"/>
                 <a:cs typeface="Arial" pitchFamily="34" charset="0"/>
               </a:rPr>
-              <a:t>Rs -232,485</a:t>
-            </a:r>
+              <a:t>내용 확인 방법</a:t>
+            </a:r>
+            <a:endParaRPr lang="en-US" altLang="ko-KR" sz="3600" b="1" dirty="0">
+              <a:solidFill>
+                <a:schemeClr val="accent6">
+                  <a:lumMod val="20000"/>
+                  <a:lumOff val="80000"/>
+                </a:schemeClr>
+              </a:solidFill>
+              <a:latin typeface="Arial" pitchFamily="34" charset="0"/>
+              <a:ea typeface="맑은 고딕" pitchFamily="50" charset="-127"/>
+              <a:cs typeface="Arial" pitchFamily="34" charset="0"/>
+            </a:endParaRPr>
           </a:p>
         </p:txBody>
       </p:sp>
